--- a/GroupBPoster.pptx
+++ b/GroupBPoster.pptx
@@ -104,7 +104,24 @@
       </a:defRPr>
     </a:lvl9pPr>
   </p:defaultTextStyle>
+  <p:extLst>
+    <p:ext uri="{EFAFB233-063F-42B5-8137-9DF3F51BA10A}">
+      <p15:sldGuideLst xmlns:p15="http://schemas.microsoft.com/office/powerpoint/2012/main"/>
+    </p:ext>
+  </p:extLst>
 </p:presentation>
+</file>
+
+<file path=ppt/commentAuthors.xml><?xml version="1.0" encoding="utf-8"?>
+<p:cmAuthorLst xmlns:a="http://schemas.openxmlformats.org/drawingml/2006/main" xmlns:r="http://schemas.openxmlformats.org/officeDocument/2006/relationships" xmlns:p="http://schemas.openxmlformats.org/presentationml/2006/main">
+  <p:cmAuthor id="1" name="Gohel, Ravi" initials="GR" lastIdx="1" clrIdx="0">
+    <p:extLst>
+      <p:ext uri="{19B8F6BF-5375-455C-9EA6-DF929625EA0E}">
+        <p15:presenceInfo xmlns:p15="http://schemas.microsoft.com/office/powerpoint/2012/main" userId="Gohel, Ravi" providerId="None"/>
+      </p:ext>
+    </p:extLst>
+  </p:cmAuthor>
+</p:cmAuthorLst>
 </file>
 
 <file path=ppt/slideLayouts/slideLayout1.xml><?xml version="1.0" encoding="utf-8"?>
@@ -238,7 +255,7 @@
           <a:p>
             <a:fld id="{BB5DBEBB-CE4A-4D78-8A22-313F822F2E59}" type="datetimeFigureOut">
               <a:rPr lang="en-GB" smtClean="0"/>
-              <a:t>09/03/2020</a:t>
+              <a:t>10/03/2020</a:t>
             </a:fld>
             <a:endParaRPr lang="en-GB"/>
           </a:p>
@@ -408,7 +425,7 @@
           <a:p>
             <a:fld id="{BB5DBEBB-CE4A-4D78-8A22-313F822F2E59}" type="datetimeFigureOut">
               <a:rPr lang="en-GB" smtClean="0"/>
-              <a:t>09/03/2020</a:t>
+              <a:t>10/03/2020</a:t>
             </a:fld>
             <a:endParaRPr lang="en-GB"/>
           </a:p>
@@ -588,7 +605,7 @@
           <a:p>
             <a:fld id="{BB5DBEBB-CE4A-4D78-8A22-313F822F2E59}" type="datetimeFigureOut">
               <a:rPr lang="en-GB" smtClean="0"/>
-              <a:t>09/03/2020</a:t>
+              <a:t>10/03/2020</a:t>
             </a:fld>
             <a:endParaRPr lang="en-GB"/>
           </a:p>
@@ -758,7 +775,7 @@
           <a:p>
             <a:fld id="{BB5DBEBB-CE4A-4D78-8A22-313F822F2E59}" type="datetimeFigureOut">
               <a:rPr lang="en-GB" smtClean="0"/>
-              <a:t>09/03/2020</a:t>
+              <a:t>10/03/2020</a:t>
             </a:fld>
             <a:endParaRPr lang="en-GB"/>
           </a:p>
@@ -1002,7 +1019,7 @@
           <a:p>
             <a:fld id="{BB5DBEBB-CE4A-4D78-8A22-313F822F2E59}" type="datetimeFigureOut">
               <a:rPr lang="en-GB" smtClean="0"/>
-              <a:t>09/03/2020</a:t>
+              <a:t>10/03/2020</a:t>
             </a:fld>
             <a:endParaRPr lang="en-GB"/>
           </a:p>
@@ -1234,7 +1251,7 @@
           <a:p>
             <a:fld id="{BB5DBEBB-CE4A-4D78-8A22-313F822F2E59}" type="datetimeFigureOut">
               <a:rPr lang="en-GB" smtClean="0"/>
-              <a:t>09/03/2020</a:t>
+              <a:t>10/03/2020</a:t>
             </a:fld>
             <a:endParaRPr lang="en-GB"/>
           </a:p>
@@ -1601,7 +1618,7 @@
           <a:p>
             <a:fld id="{BB5DBEBB-CE4A-4D78-8A22-313F822F2E59}" type="datetimeFigureOut">
               <a:rPr lang="en-GB" smtClean="0"/>
-              <a:t>09/03/2020</a:t>
+              <a:t>10/03/2020</a:t>
             </a:fld>
             <a:endParaRPr lang="en-GB"/>
           </a:p>
@@ -1719,7 +1736,7 @@
           <a:p>
             <a:fld id="{BB5DBEBB-CE4A-4D78-8A22-313F822F2E59}" type="datetimeFigureOut">
               <a:rPr lang="en-GB" smtClean="0"/>
-              <a:t>09/03/2020</a:t>
+              <a:t>10/03/2020</a:t>
             </a:fld>
             <a:endParaRPr lang="en-GB"/>
           </a:p>
@@ -1814,7 +1831,7 @@
           <a:p>
             <a:fld id="{BB5DBEBB-CE4A-4D78-8A22-313F822F2E59}" type="datetimeFigureOut">
               <a:rPr lang="en-GB" smtClean="0"/>
-              <a:t>09/03/2020</a:t>
+              <a:t>10/03/2020</a:t>
             </a:fld>
             <a:endParaRPr lang="en-GB"/>
           </a:p>
@@ -2091,7 +2108,7 @@
           <a:p>
             <a:fld id="{BB5DBEBB-CE4A-4D78-8A22-313F822F2E59}" type="datetimeFigureOut">
               <a:rPr lang="en-GB" smtClean="0"/>
-              <a:t>09/03/2020</a:t>
+              <a:t>10/03/2020</a:t>
             </a:fld>
             <a:endParaRPr lang="en-GB"/>
           </a:p>
@@ -2348,7 +2365,7 @@
           <a:p>
             <a:fld id="{BB5DBEBB-CE4A-4D78-8A22-313F822F2E59}" type="datetimeFigureOut">
               <a:rPr lang="en-GB" smtClean="0"/>
-              <a:t>09/03/2020</a:t>
+              <a:t>10/03/2020</a:t>
             </a:fld>
             <a:endParaRPr lang="en-GB"/>
           </a:p>
@@ -2569,7 +2586,7 @@
           <a:p>
             <a:fld id="{BB5DBEBB-CE4A-4D78-8A22-313F822F2E59}" type="datetimeFigureOut">
               <a:rPr lang="en-GB" smtClean="0"/>
-              <a:t>09/03/2020</a:t>
+              <a:t>10/03/2020</a:t>
             </a:fld>
             <a:endParaRPr lang="en-GB"/>
           </a:p>
@@ -2992,7 +3009,7 @@
         </p:nvSpPr>
         <p:spPr>
           <a:xfrm>
-            <a:off x="0" y="-461041"/>
+            <a:off x="13319" y="-899096"/>
             <a:ext cx="9601200" cy="2916361"/>
           </a:xfrm>
           <a:noFill/>
@@ -3005,7 +3022,7 @@
           <a:p>
             <a:pPr algn="ctr"/>
             <a:r>
-              <a:rPr lang="en-GB" sz="5400" b="1" dirty="0">
+              <a:rPr lang="en-GB" sz="3600" b="1" dirty="0">
                 <a:ln w="12700">
                   <a:solidFill>
                     <a:schemeClr val="tx2">
@@ -3059,7 +3076,7 @@
         </p:blipFill>
         <p:spPr bwMode="auto">
           <a:xfrm>
-            <a:off x="-517496" y="11371901"/>
+            <a:off x="-579489" y="11364937"/>
             <a:ext cx="4004616" cy="1643931"/>
           </a:xfrm>
           <a:prstGeom prst="rect">
@@ -3091,8 +3108,8 @@
         </p:nvSpPr>
         <p:spPr>
           <a:xfrm>
-            <a:off x="7020731" y="11157669"/>
-            <a:ext cx="2440983" cy="1643931"/>
+            <a:off x="7181769" y="11364284"/>
+            <a:ext cx="2177393" cy="1429699"/>
           </a:xfrm>
           <a:prstGeom prst="rect">
             <a:avLst/>
@@ -3119,7 +3136,7 @@
           <a:lstStyle/>
           <a:p>
             <a:pPr algn="ctr"/>
-            <a:endParaRPr lang="en-GB"/>
+            <a:endParaRPr lang="en-GB" dirty="0"/>
           </a:p>
         </p:txBody>
       </p:sp>
@@ -3137,7 +3154,7 @@
         </p:nvSpPr>
         <p:spPr>
           <a:xfrm>
-            <a:off x="3177153" y="11371901"/>
+            <a:off x="2995047" y="11473340"/>
             <a:ext cx="3611105" cy="1107996"/>
           </a:xfrm>
           <a:prstGeom prst="rect">
@@ -3178,7 +3195,7 @@
         </p:nvCxnSpPr>
         <p:spPr>
           <a:xfrm>
-            <a:off x="-13317" y="1807958"/>
+            <a:off x="0" y="1126032"/>
             <a:ext cx="9601200" cy="0"/>
           </a:xfrm>
           <a:prstGeom prst="line">
@@ -3231,7 +3248,7 @@
         </p:nvSpPr>
         <p:spPr>
           <a:xfrm>
-            <a:off x="168788" y="1998598"/>
+            <a:off x="-13317" y="1321396"/>
             <a:ext cx="4618495" cy="3492462"/>
           </a:xfrm>
           <a:prstGeom prst="rect">
@@ -3239,9 +3256,7 @@
           </a:prstGeom>
           <a:noFill/>
           <a:ln w="76200">
-            <a:solidFill>
-              <a:srgbClr val="00B050"/>
-            </a:solidFill>
+            <a:noFill/>
           </a:ln>
         </p:spPr>
         <p:style>
@@ -3288,7 +3303,91 @@
                   <a:schemeClr val="tx1"/>
                 </a:solidFill>
               </a:rPr>
-              <a:t>Our treasure hunt ultimately takes the form of the world-famous hangman. As you visit each of the locations on the dashboard and scan the QR code, you are presented with a question. Successful answering of the question will result in you obtaining a letter, filling out an anagram of the building of the team’s tutor location. Once all letters have been obtained, the room of the tutor will be presented. </a:t>
+              <a:t>	</a:t>
+            </a:r>
+            <a:r>
+              <a:rPr lang="en-GB" dirty="0">
+                <a:solidFill>
+                  <a:srgbClr val="0070C0"/>
+                </a:solidFill>
+              </a:rPr>
+              <a:t>Our treasure hunt ultimately takes the form of the world-famous </a:t>
+            </a:r>
+            <a:r>
+              <a:rPr lang="en-GB" b="1" dirty="0">
+                <a:solidFill>
+                  <a:srgbClr val="0070C0"/>
+                </a:solidFill>
+              </a:rPr>
+              <a:t>hangman</a:t>
+            </a:r>
+            <a:r>
+              <a:rPr lang="en-GB" dirty="0">
+                <a:solidFill>
+                  <a:srgbClr val="0070C0"/>
+                </a:solidFill>
+              </a:rPr>
+              <a:t>. </a:t>
+            </a:r>
+          </a:p>
+          <a:p>
+            <a:endParaRPr lang="en-GB" dirty="0">
+              <a:solidFill>
+                <a:srgbClr val="0070C0"/>
+              </a:solidFill>
+            </a:endParaRPr>
+          </a:p>
+          <a:p>
+            <a:r>
+              <a:rPr lang="en-GB" dirty="0">
+                <a:solidFill>
+                  <a:srgbClr val="0070C0"/>
+                </a:solidFill>
+              </a:rPr>
+              <a:t>	As you visit each of the locations on the dashboard and scan the </a:t>
+            </a:r>
+            <a:r>
+              <a:rPr lang="en-GB" b="1" dirty="0">
+                <a:solidFill>
+                  <a:srgbClr val="0070C0"/>
+                </a:solidFill>
+              </a:rPr>
+              <a:t>QR code</a:t>
+            </a:r>
+            <a:r>
+              <a:rPr lang="en-GB" dirty="0">
+                <a:solidFill>
+                  <a:srgbClr val="0070C0"/>
+                </a:solidFill>
+              </a:rPr>
+              <a:t>, you are presented with a question. </a:t>
+            </a:r>
+          </a:p>
+          <a:p>
+            <a:r>
+              <a:rPr lang="en-GB" dirty="0">
+                <a:solidFill>
+                  <a:srgbClr val="0070C0"/>
+                </a:solidFill>
+              </a:rPr>
+              <a:t>	Successful answering of the question will result in you obtaining a letter, filling out an anagram of the building of the team’s tutor location. </a:t>
+            </a:r>
+          </a:p>
+          <a:p>
+            <a:endParaRPr lang="en-GB" dirty="0">
+              <a:solidFill>
+                <a:srgbClr val="0070C0"/>
+              </a:solidFill>
+            </a:endParaRPr>
+          </a:p>
+          <a:p>
+            <a:r>
+              <a:rPr lang="en-GB" dirty="0">
+                <a:solidFill>
+                  <a:srgbClr val="0070C0"/>
+                </a:solidFill>
+              </a:rPr>
+              <a:t>	Once all letters have been obtained, the room of the tutor will be presented. </a:t>
             </a:r>
           </a:p>
           <a:p>
@@ -3381,9 +3480,7 @@
           </a:prstGeom>
           <a:noFill/>
           <a:ln w="76200">
-            <a:solidFill>
-              <a:srgbClr val="00B050"/>
-            </a:solidFill>
+            <a:noFill/>
           </a:ln>
         </p:spPr>
         <p:style>
@@ -3424,13 +3521,139 @@
             </a:r>
           </a:p>
           <a:p>
+            <a:pPr marL="285750" indent="-285750">
+              <a:buFont typeface="Arial" panose="020B0604020202020204" pitchFamily="34" charset="0"/>
+              <a:buChar char="•"/>
+            </a:pPr>
+            <a:r>
+              <a:rPr lang="en-GB" b="1" dirty="0">
+                <a:solidFill>
+                  <a:srgbClr val="FF0000"/>
+                </a:solidFill>
+              </a:rPr>
+              <a:t>Hangman</a:t>
+            </a:r>
             <a:r>
               <a:rPr lang="en-GB" dirty="0">
                 <a:solidFill>
-                  <a:schemeClr val="tx1"/>
+                  <a:srgbClr val="FF0000"/>
                 </a:solidFill>
               </a:rPr>
-              <a:t>Hangman, visiting new places, competitive feel with a sense of learning and achievement, inclusiveness</a:t>
+              <a:t> style game!</a:t>
+            </a:r>
+          </a:p>
+          <a:p>
+            <a:pPr marL="285750" indent="-285750">
+              <a:buFont typeface="Arial" panose="020B0604020202020204" pitchFamily="34" charset="0"/>
+              <a:buChar char="•"/>
+            </a:pPr>
+            <a:r>
+              <a:rPr lang="en-GB" dirty="0">
+                <a:solidFill>
+                  <a:srgbClr val="FF0000"/>
+                </a:solidFill>
+              </a:rPr>
+              <a:t>Visit all the </a:t>
+            </a:r>
+            <a:r>
+              <a:rPr lang="en-GB" b="1" dirty="0">
+                <a:solidFill>
+                  <a:srgbClr val="FF0000"/>
+                </a:solidFill>
+              </a:rPr>
+              <a:t>main locations </a:t>
+            </a:r>
+            <a:r>
+              <a:rPr lang="en-GB" dirty="0">
+                <a:solidFill>
+                  <a:srgbClr val="FF0000"/>
+                </a:solidFill>
+              </a:rPr>
+              <a:t>on the Streatham Campus</a:t>
+            </a:r>
+          </a:p>
+          <a:p>
+            <a:pPr marL="285750" indent="-285750">
+              <a:buFont typeface="Arial" panose="020B0604020202020204" pitchFamily="34" charset="0"/>
+              <a:buChar char="•"/>
+            </a:pPr>
+            <a:r>
+              <a:rPr lang="en-GB" dirty="0">
+                <a:solidFill>
+                  <a:srgbClr val="FF0000"/>
+                </a:solidFill>
+              </a:rPr>
+              <a:t>Have a </a:t>
+            </a:r>
+            <a:r>
+              <a:rPr lang="en-GB" b="1" dirty="0">
+                <a:solidFill>
+                  <a:srgbClr val="FF0000"/>
+                </a:solidFill>
+              </a:rPr>
+              <a:t>competitive</a:t>
+            </a:r>
+            <a:r>
+              <a:rPr lang="en-GB" dirty="0">
+                <a:solidFill>
+                  <a:srgbClr val="FF0000"/>
+                </a:solidFill>
+              </a:rPr>
+              <a:t> feel with a live </a:t>
+            </a:r>
+            <a:r>
+              <a:rPr lang="en-GB" dirty="0" err="1">
+                <a:solidFill>
+                  <a:srgbClr val="FF0000"/>
+                </a:solidFill>
+              </a:rPr>
+              <a:t>leaderboard</a:t>
+            </a:r>
+            <a:r>
+              <a:rPr lang="en-GB" dirty="0">
+                <a:solidFill>
+                  <a:srgbClr val="FF0000"/>
+                </a:solidFill>
+              </a:rPr>
+              <a:t> based on how many letters you have and how long you have taken</a:t>
+            </a:r>
+          </a:p>
+          <a:p>
+            <a:pPr marL="285750" indent="-285750">
+              <a:buFont typeface="Arial" panose="020B0604020202020204" pitchFamily="34" charset="0"/>
+              <a:buChar char="•"/>
+            </a:pPr>
+            <a:r>
+              <a:rPr lang="en-GB" dirty="0">
+                <a:solidFill>
+                  <a:srgbClr val="FF0000"/>
+                </a:solidFill>
+              </a:rPr>
+              <a:t>Sense of </a:t>
+            </a:r>
+            <a:r>
+              <a:rPr lang="en-GB" b="1" dirty="0">
+                <a:solidFill>
+                  <a:srgbClr val="FF0000"/>
+                </a:solidFill>
+              </a:rPr>
+              <a:t>achievement</a:t>
+            </a:r>
+            <a:r>
+              <a:rPr lang="en-GB" dirty="0">
+                <a:solidFill>
+                  <a:srgbClr val="FF0000"/>
+                </a:solidFill>
+              </a:rPr>
+              <a:t> in your </a:t>
+            </a:r>
+            <a:r>
+              <a:rPr lang="en-GB" b="1" dirty="0">
+                <a:solidFill>
+                  <a:srgbClr val="FF0000"/>
+                </a:solidFill>
+              </a:rPr>
+              <a:t>teamwork</a:t>
             </a:r>
           </a:p>
         </p:txBody>
@@ -3457,14 +3680,69 @@
         </p:blipFill>
         <p:spPr>
           <a:xfrm>
-            <a:off x="4857511" y="1998598"/>
-            <a:ext cx="4676611" cy="3518281"/>
+            <a:off x="4527465" y="1473184"/>
+            <a:ext cx="4831697" cy="3634955"/>
           </a:xfrm>
           <a:prstGeom prst="rect">
             <a:avLst/>
           </a:prstGeom>
         </p:spPr>
       </p:pic>
+      <p:cxnSp>
+        <p:nvCxnSpPr>
+          <p:cNvPr id="11" name="Straight Connector 10">
+            <a:extLst>
+              <a:ext uri="{FF2B5EF4-FFF2-40B4-BE49-F238E27FC236}">
+                <a16:creationId xmlns:a16="http://schemas.microsoft.com/office/drawing/2014/main" id="{D86125E8-A6F5-40DA-9DCD-3D58EE184B9C}"/>
+              </a:ext>
+            </a:extLst>
+          </p:cNvPr>
+          <p:cNvCxnSpPr>
+            <a:cxnSpLocks/>
+          </p:cNvCxnSpPr>
+          <p:nvPr/>
+        </p:nvCxnSpPr>
+        <p:spPr>
+          <a:xfrm>
+            <a:off x="-13317" y="11185922"/>
+            <a:ext cx="9601200" cy="0"/>
+          </a:xfrm>
+          <a:prstGeom prst="line">
+            <a:avLst/>
+          </a:prstGeom>
+          <a:ln w="9525" cap="flat" cmpd="sng" algn="ctr">
+            <a:solidFill>
+              <a:schemeClr val="accent5"/>
+            </a:solidFill>
+            <a:prstDash val="dash"/>
+            <a:round/>
+            <a:headEnd type="none" w="med" len="med"/>
+            <a:tailEnd type="none" w="med" len="med"/>
+          </a:ln>
+          <a:effectLst>
+            <a:glow rad="101600">
+              <a:schemeClr val="accent1">
+                <a:satMod val="175000"/>
+                <a:alpha val="40000"/>
+              </a:schemeClr>
+            </a:glow>
+          </a:effectLst>
+        </p:spPr>
+        <p:style>
+          <a:lnRef idx="0">
+            <a:scrgbClr r="0" g="0" b="0"/>
+          </a:lnRef>
+          <a:fillRef idx="0">
+            <a:scrgbClr r="0" g="0" b="0"/>
+          </a:fillRef>
+          <a:effectRef idx="0">
+            <a:scrgbClr r="0" g="0" b="0"/>
+          </a:effectRef>
+          <a:fontRef idx="minor">
+            <a:schemeClr val="tx1"/>
+          </a:fontRef>
+        </p:style>
+      </p:cxnSp>
     </p:spTree>
     <p:extLst>
       <p:ext uri="{BB962C8B-B14F-4D97-AF65-F5344CB8AC3E}">
